--- a/lesson24.pptx
+++ b/lesson24.pptx
@@ -5,7 +5,7 @@
     <p:sldMasterId id="2147483648" r:id="rId1"/>
   </p:sldMasterIdLst>
   <p:notesMasterIdLst>
-    <p:notesMasterId r:id="rId35"/>
+    <p:notesMasterId r:id="rId34"/>
   </p:notesMasterIdLst>
   <p:sldIdLst>
     <p:sldId id="376" r:id="rId2"/>
@@ -38,9 +38,8 @@
     <p:sldId id="654" r:id="rId29"/>
     <p:sldId id="655" r:id="rId30"/>
     <p:sldId id="656" r:id="rId31"/>
-    <p:sldId id="657" r:id="rId32"/>
-    <p:sldId id="658" r:id="rId33"/>
-    <p:sldId id="662" r:id="rId34"/>
+    <p:sldId id="658" r:id="rId32"/>
+    <p:sldId id="662" r:id="rId33"/>
   </p:sldIdLst>
   <p:sldSz cx="12192000" cy="6858000"/>
   <p:notesSz cx="6858000" cy="9144000"/>
@@ -161,7 +160,7 @@
 <file path=ppt/revisionInfo.xml><?xml version="1.0" encoding="utf-8"?>
 <p1510:revInfo xmlns:a="http://schemas.openxmlformats.org/drawingml/2006/main" xmlns:r="http://schemas.openxmlformats.org/officeDocument/2006/relationships" xmlns:p1510="http://schemas.microsoft.com/office/powerpoint/2015/10/main">
   <p1510:revLst>
-    <p1510:client id="{3330E73D-0293-4F05-9FEF-B6C1F3B4C580}" v="9" dt="2022-03-22T05:44:30.245"/>
+    <p1510:client id="{3330E73D-0293-4F05-9FEF-B6C1F3B4C580}" v="10" dt="2022-03-24T10:33:17.872"/>
   </p1510:revLst>
 </p1510:revInfo>
 </file>
@@ -412,17 +411,64 @@
   </pc:docChgLst>
   <pc:docChgLst>
     <pc:chgData name="Anatoliy Kigel" userId="7432c6c4687b0a9c" providerId="LiveId" clId="{3330E73D-0293-4F05-9FEF-B6C1F3B4C580}"/>
-    <pc:docChg chg="custSel modSld">
-      <pc:chgData name="Anatoliy Kigel" userId="7432c6c4687b0a9c" providerId="LiveId" clId="{3330E73D-0293-4F05-9FEF-B6C1F3B4C580}" dt="2022-03-22T05:44:30.245" v="11" actId="1076"/>
+    <pc:docChg chg="custSel delSld modSld">
+      <pc:chgData name="Anatoliy Kigel" userId="7432c6c4687b0a9c" providerId="LiveId" clId="{3330E73D-0293-4F05-9FEF-B6C1F3B4C580}" dt="2022-03-24T10:34:12.099" v="36" actId="47"/>
       <pc:docMkLst>
         <pc:docMk/>
       </pc:docMkLst>
+      <pc:sldChg chg="delSp modSp mod">
+        <pc:chgData name="Anatoliy Kigel" userId="7432c6c4687b0a9c" providerId="LiveId" clId="{3330E73D-0293-4F05-9FEF-B6C1F3B4C580}" dt="2022-03-24T10:34:05.976" v="32" actId="20577"/>
+        <pc:sldMkLst>
+          <pc:docMk/>
+          <pc:sldMk cId="3895389910" sldId="655"/>
+        </pc:sldMkLst>
+        <pc:spChg chg="mod">
+          <ac:chgData name="Anatoliy Kigel" userId="7432c6c4687b0a9c" providerId="LiveId" clId="{3330E73D-0293-4F05-9FEF-B6C1F3B4C580}" dt="2022-03-24T10:34:05.976" v="32" actId="20577"/>
+          <ac:spMkLst>
+            <pc:docMk/>
+            <pc:sldMk cId="3895389910" sldId="655"/>
+            <ac:spMk id="4" creationId="{00000000-0000-0000-0000-000000000000}"/>
+          </ac:spMkLst>
+        </pc:spChg>
+        <pc:spChg chg="mod">
+          <ac:chgData name="Anatoliy Kigel" userId="7432c6c4687b0a9c" providerId="LiveId" clId="{3330E73D-0293-4F05-9FEF-B6C1F3B4C580}" dt="2022-03-24T10:33:33.922" v="28" actId="1076"/>
+          <ac:spMkLst>
+            <pc:docMk/>
+            <pc:sldMk cId="3895389910" sldId="655"/>
+            <ac:spMk id="9" creationId="{00000000-0000-0000-0000-000000000000}"/>
+          </ac:spMkLst>
+        </pc:spChg>
+        <pc:spChg chg="del">
+          <ac:chgData name="Anatoliy Kigel" userId="7432c6c4687b0a9c" providerId="LiveId" clId="{3330E73D-0293-4F05-9FEF-B6C1F3B4C580}" dt="2022-03-24T10:33:29.342" v="27" actId="478"/>
+          <ac:spMkLst>
+            <pc:docMk/>
+            <pc:sldMk cId="3895389910" sldId="655"/>
+            <ac:spMk id="11" creationId="{00000000-0000-0000-0000-000000000000}"/>
+          </ac:spMkLst>
+        </pc:spChg>
+        <pc:spChg chg="mod">
+          <ac:chgData name="Anatoliy Kigel" userId="7432c6c4687b0a9c" providerId="LiveId" clId="{3330E73D-0293-4F05-9FEF-B6C1F3B4C580}" dt="2022-03-24T10:33:36.318" v="29" actId="1076"/>
+          <ac:spMkLst>
+            <pc:docMk/>
+            <pc:sldMk cId="3895389910" sldId="655"/>
+            <ac:spMk id="12" creationId="{00000000-0000-0000-0000-000000000000}"/>
+          </ac:spMkLst>
+        </pc:spChg>
+      </pc:sldChg>
       <pc:sldChg chg="addSp delSp modSp mod">
-        <pc:chgData name="Anatoliy Kigel" userId="7432c6c4687b0a9c" providerId="LiveId" clId="{3330E73D-0293-4F05-9FEF-B6C1F3B4C580}" dt="2022-03-22T05:44:30.245" v="11" actId="1076"/>
+        <pc:chgData name="Anatoliy Kigel" userId="7432c6c4687b0a9c" providerId="LiveId" clId="{3330E73D-0293-4F05-9FEF-B6C1F3B4C580}" dt="2022-03-24T10:34:09.742" v="35" actId="20577"/>
         <pc:sldMkLst>
           <pc:docMk/>
           <pc:sldMk cId="1838688359" sldId="656"/>
         </pc:sldMkLst>
+        <pc:spChg chg="mod">
+          <ac:chgData name="Anatoliy Kigel" userId="7432c6c4687b0a9c" providerId="LiveId" clId="{3330E73D-0293-4F05-9FEF-B6C1F3B4C580}" dt="2022-03-24T10:34:09.742" v="35" actId="20577"/>
+          <ac:spMkLst>
+            <pc:docMk/>
+            <pc:sldMk cId="1838688359" sldId="656"/>
+            <ac:spMk id="6" creationId="{00000000-0000-0000-0000-000000000000}"/>
+          </ac:spMkLst>
+        </pc:spChg>
         <pc:spChg chg="mod">
           <ac:chgData name="Anatoliy Kigel" userId="7432c6c4687b0a9c" providerId="LiveId" clId="{3330E73D-0293-4F05-9FEF-B6C1F3B4C580}" dt="2022-03-22T05:44:00.395" v="9" actId="1036"/>
           <ac:spMkLst>
@@ -455,6 +501,13 @@
             <ac:picMk id="1026" creationId="{2114C879-6246-4F88-8842-7C0C8562882D}"/>
           </ac:picMkLst>
         </pc:picChg>
+      </pc:sldChg>
+      <pc:sldChg chg="del">
+        <pc:chgData name="Anatoliy Kigel" userId="7432c6c4687b0a9c" providerId="LiveId" clId="{3330E73D-0293-4F05-9FEF-B6C1F3B4C580}" dt="2022-03-24T10:34:12.099" v="36" actId="47"/>
+        <pc:sldMkLst>
+          <pc:docMk/>
+          <pc:sldMk cId="1388856890" sldId="657"/>
+        </pc:sldMkLst>
       </pc:sldChg>
     </pc:docChg>
   </pc:docChgLst>
@@ -1220,7 +1273,7 @@
             <a:fld id="{85522811-C5C6-42D2-A409-F8556720C93F}" type="datetimeFigureOut">
               <a:rPr lang="uk-UA" smtClean="0"/>
               <a:pPr/>
-              <a:t>22.03.2022</a:t>
+              <a:t>24.03.2022</a:t>
             </a:fld>
             <a:endParaRPr lang="uk-UA" dirty="0"/>
           </a:p>
@@ -1765,7 +1818,7 @@
             <a:fld id="{0A2E6AC4-C3FE-4E70-88D1-136405B25267}" type="datetime1">
               <a:rPr lang="uk-UA" smtClean="0"/>
               <a:pPr/>
-              <a:t>22.03.2022</a:t>
+              <a:t>24.03.2022</a:t>
             </a:fld>
             <a:endParaRPr lang="uk-UA" dirty="0"/>
           </a:p>
@@ -1932,7 +1985,7 @@
             <a:fld id="{B4D85949-5AE9-41F1-B18C-DA1006B0E8CC}" type="datetime1">
               <a:rPr lang="uk-UA" smtClean="0"/>
               <a:pPr/>
-              <a:t>22.03.2022</a:t>
+              <a:t>24.03.2022</a:t>
             </a:fld>
             <a:endParaRPr lang="uk-UA" dirty="0"/>
           </a:p>
@@ -2109,7 +2162,7 @@
             <a:fld id="{B20C227C-94C5-4BA1-A89C-1C7570144B22}" type="datetime1">
               <a:rPr lang="uk-UA" smtClean="0"/>
               <a:pPr/>
-              <a:t>22.03.2022</a:t>
+              <a:t>24.03.2022</a:t>
             </a:fld>
             <a:endParaRPr lang="uk-UA" dirty="0"/>
           </a:p>
@@ -2276,7 +2329,7 @@
             <a:fld id="{68E2E168-B245-4D8D-8538-B29990DBF87B}" type="datetime1">
               <a:rPr lang="uk-UA" smtClean="0"/>
               <a:pPr/>
-              <a:t>22.03.2022</a:t>
+              <a:t>24.03.2022</a:t>
             </a:fld>
             <a:endParaRPr lang="uk-UA" dirty="0"/>
           </a:p>
@@ -2519,7 +2572,7 @@
             <a:fld id="{356DAF6E-7007-4E61-B36E-794BF232B234}" type="datetime1">
               <a:rPr lang="uk-UA" smtClean="0"/>
               <a:pPr/>
-              <a:t>22.03.2022</a:t>
+              <a:t>24.03.2022</a:t>
             </a:fld>
             <a:endParaRPr lang="uk-UA" dirty="0"/>
           </a:p>
@@ -2804,7 +2857,7 @@
             <a:fld id="{4B2141DD-FE72-44AA-B946-B70892F1F5B7}" type="datetime1">
               <a:rPr lang="uk-UA" smtClean="0"/>
               <a:pPr/>
-              <a:t>22.03.2022</a:t>
+              <a:t>24.03.2022</a:t>
             </a:fld>
             <a:endParaRPr lang="uk-UA" dirty="0"/>
           </a:p>
@@ -3223,7 +3276,7 @@
             <a:fld id="{D1C4DC7C-6CC4-4D1F-A21B-A650800E0532}" type="datetime1">
               <a:rPr lang="uk-UA" smtClean="0"/>
               <a:pPr/>
-              <a:t>22.03.2022</a:t>
+              <a:t>24.03.2022</a:t>
             </a:fld>
             <a:endParaRPr lang="uk-UA" dirty="0"/>
           </a:p>
@@ -3338,7 +3391,7 @@
             <a:fld id="{09E753FA-BE70-4E9D-A1A2-A798C2E22C2C}" type="datetime1">
               <a:rPr lang="uk-UA" smtClean="0"/>
               <a:pPr/>
-              <a:t>22.03.2022</a:t>
+              <a:t>24.03.2022</a:t>
             </a:fld>
             <a:endParaRPr lang="uk-UA" dirty="0"/>
           </a:p>
@@ -3430,7 +3483,7 @@
             <a:fld id="{BC4E9D1B-A194-48C6-B5A1-4C29D0F81227}" type="datetime1">
               <a:rPr lang="uk-UA" smtClean="0"/>
               <a:pPr/>
-              <a:t>22.03.2022</a:t>
+              <a:t>24.03.2022</a:t>
             </a:fld>
             <a:endParaRPr lang="uk-UA" dirty="0"/>
           </a:p>
@@ -3704,7 +3757,7 @@
             <a:fld id="{98DC5B78-3AEE-4E8C-84A2-DF8B252C6B7D}" type="datetime1">
               <a:rPr lang="uk-UA" smtClean="0"/>
               <a:pPr/>
-              <a:t>22.03.2022</a:t>
+              <a:t>24.03.2022</a:t>
             </a:fld>
             <a:endParaRPr lang="uk-UA" dirty="0"/>
           </a:p>
@@ -3954,7 +4007,7 @@
             <a:fld id="{08E6AC05-7690-4D29-B090-15CFA8055B58}" type="datetime1">
               <a:rPr lang="uk-UA" smtClean="0"/>
               <a:pPr/>
-              <a:t>22.03.2022</a:t>
+              <a:t>24.03.2022</a:t>
             </a:fld>
             <a:endParaRPr lang="uk-UA" dirty="0"/>
           </a:p>
@@ -4164,7 +4217,7 @@
             <a:fld id="{C4778AB5-85A2-4D58-9351-A198925B541D}" type="datetime1">
               <a:rPr lang="uk-UA" smtClean="0"/>
               <a:pPr/>
-              <a:t>22.03.2022</a:t>
+              <a:t>24.03.2022</a:t>
             </a:fld>
             <a:endParaRPr lang="uk-UA" dirty="0"/>
           </a:p>
@@ -11277,10 +11330,6 @@
           <a:p>
             <a:pPr algn="ctr"/>
             <a:r>
-              <a:rPr lang="en-US" sz="4800" b="1" dirty="0"/>
-              <a:t>1. </a:t>
-            </a:r>
-            <a:r>
               <a:rPr lang="ru-RU" sz="4800" b="1" dirty="0"/>
               <a:t>Совершенствовать навыки и умения</a:t>
             </a:r>
@@ -11474,8 +11523,8 @@
           </p:nvSpPr>
           <p:spPr>
             <a:xfrm>
-              <a:off x="4140787" y="4409019"/>
-              <a:ext cx="3910429" cy="584775"/>
+              <a:off x="4451447" y="4186205"/>
+              <a:ext cx="3289106" cy="1077218"/>
             </a:xfrm>
             <a:prstGeom prst="rect">
               <a:avLst/>
@@ -11494,8 +11543,15 @@
                   </a:solidFill>
                   <a:hlinkClick r:id="rId2"/>
                 </a:rPr>
-                <a:t>https://habrahabr.ru/</a:t>
+                <a:t>https://habr.com/</a:t>
               </a:r>
+              <a:endParaRPr lang="en-US" sz="3200" b="1" dirty="0">
+                <a:solidFill>
+                  <a:srgbClr val="0070C0"/>
+                </a:solidFill>
+              </a:endParaRPr>
+            </a:p>
+            <a:p>
               <a:endParaRPr lang="ru-RU" sz="3200" b="1" dirty="0">
                 <a:solidFill>
                   <a:srgbClr val="0070C0"/>
@@ -11506,14 +11562,14 @@
         </p:sp>
         <p:sp>
           <p:nvSpPr>
-            <p:cNvPr id="11" name="Прямоугольник 10"/>
+            <p:cNvPr id="12" name="Прямоугольник 11"/>
             <p:cNvSpPr/>
             <p:nvPr/>
           </p:nvSpPr>
           <p:spPr>
             <a:xfrm>
-              <a:off x="4391046" y="3847002"/>
-              <a:ext cx="3409908" cy="584775"/>
+              <a:off x="3690726" y="3457744"/>
+              <a:ext cx="4810548" cy="584775"/>
             </a:xfrm>
             <a:prstGeom prst="rect">
               <a:avLst/>
@@ -11531,44 +11587,6 @@
                     <a:srgbClr val="0070C0"/>
                   </a:solidFill>
                   <a:hlinkClick r:id="rId3"/>
-                </a:rPr>
-                <a:t>https://tproger.ru/</a:t>
-              </a:r>
-              <a:endParaRPr lang="ru-RU" sz="3200" b="1" dirty="0">
-                <a:solidFill>
-                  <a:srgbClr val="0070C0"/>
-                </a:solidFill>
-              </a:endParaRPr>
-            </a:p>
-          </p:txBody>
-        </p:sp>
-        <p:sp>
-          <p:nvSpPr>
-            <p:cNvPr id="12" name="Прямоугольник 11"/>
-            <p:cNvSpPr/>
-            <p:nvPr/>
-          </p:nvSpPr>
-          <p:spPr>
-            <a:xfrm>
-              <a:off x="3690726" y="3284985"/>
-              <a:ext cx="4810548" cy="584775"/>
-            </a:xfrm>
-            <a:prstGeom prst="rect">
-              <a:avLst/>
-            </a:prstGeom>
-          </p:spPr>
-          <p:txBody>
-            <a:bodyPr wrap="none">
-              <a:spAutoFit/>
-            </a:bodyPr>
-            <a:lstStyle/>
-            <a:p>
-              <a:r>
-                <a:rPr lang="en-US" sz="3200" b="1" dirty="0">
-                  <a:solidFill>
-                    <a:srgbClr val="0070C0"/>
-                  </a:solidFill>
-                  <a:hlinkClick r:id="rId4"/>
                 </a:rPr>
                 <a:t>http://prometheus.org.ua/</a:t>
               </a:r>
@@ -11682,7 +11700,7 @@
                   <a:solidFill>
                     <a:srgbClr val="0070C0"/>
                   </a:solidFill>
-                  <a:hlinkClick r:id="rId2"/>
+                  <a:hlinkClick r:id="rId4"/>
                 </a:rPr>
                 <a:t>https://dou.ua/</a:t>
               </a:r>
@@ -12064,7 +12082,7 @@
             <a:pPr algn="ctr"/>
             <a:r>
               <a:rPr lang="ru-RU" sz="6000" b="1" dirty="0"/>
-              <a:t>2. Практиковать</a:t>
+              <a:t>Практиковать</a:t>
             </a:r>
             <a:endParaRPr lang="uk-UA" sz="6000" b="1" dirty="0"/>
           </a:p>
@@ -12361,321 +12379,6 @@
       </p:grpSpPr>
       <p:sp>
         <p:nvSpPr>
-          <p:cNvPr id="11" name="TextBox 10"/>
-          <p:cNvSpPr txBox="1"/>
-          <p:nvPr/>
-        </p:nvSpPr>
-        <p:spPr>
-          <a:xfrm>
-            <a:off x="0" y="345430"/>
-            <a:ext cx="12192000" cy="923330"/>
-          </a:xfrm>
-          <a:prstGeom prst="rect">
-            <a:avLst/>
-          </a:prstGeom>
-          <a:noFill/>
-        </p:spPr>
-        <p:txBody>
-          <a:bodyPr wrap="square" rtlCol="0">
-            <a:spAutoFit/>
-          </a:bodyPr>
-          <a:lstStyle/>
-          <a:p>
-            <a:pPr algn="ctr"/>
-            <a:r>
-              <a:rPr lang="ru-RU" sz="5400" b="1" dirty="0"/>
-              <a:t>3. Поддерживать связь</a:t>
-            </a:r>
-            <a:endParaRPr lang="uk-UA" sz="5400" b="1" dirty="0"/>
-          </a:p>
-        </p:txBody>
-      </p:sp>
-      <p:sp>
-        <p:nvSpPr>
-          <p:cNvPr id="12" name="Номер слайда 36"/>
-          <p:cNvSpPr txBox="1">
-            <a:spLocks/>
-          </p:cNvSpPr>
-          <p:nvPr/>
-        </p:nvSpPr>
-        <p:spPr>
-          <a:xfrm>
-            <a:off x="11136560" y="6165304"/>
-            <a:ext cx="648072" cy="432048"/>
-          </a:xfrm>
-          <a:prstGeom prst="roundRect">
-            <a:avLst/>
-          </a:prstGeom>
-          <a:ln w="25400" cap="flat" cmpd="sng" algn="ctr">
-            <a:solidFill>
-              <a:schemeClr val="tx2">
-                <a:lumMod val="60000"/>
-                <a:lumOff val="40000"/>
-              </a:schemeClr>
-            </a:solidFill>
-            <a:prstDash val="solid"/>
-          </a:ln>
-        </p:spPr>
-        <p:style>
-          <a:lnRef idx="2">
-            <a:schemeClr val="accent1"/>
-          </a:lnRef>
-          <a:fillRef idx="1">
-            <a:schemeClr val="lt1"/>
-          </a:fillRef>
-          <a:effectRef idx="0">
-            <a:schemeClr val="accent1"/>
-          </a:effectRef>
-          <a:fontRef idx="minor">
-            <a:schemeClr val="dk1"/>
-          </a:fontRef>
-        </p:style>
-        <p:txBody>
-          <a:bodyPr vert="horz" lIns="91440" tIns="45720" rIns="91440" bIns="45720" rtlCol="0" anchor="ctr"/>
-          <a:lstStyle>
-            <a:defPPr>
-              <a:defRPr lang="uk-UA"/>
-            </a:defPPr>
-            <a:lvl1pPr marL="0" algn="l" defTabSz="914400" rtl="0" eaLnBrk="1" latinLnBrk="0" hangingPunct="1">
-              <a:defRPr sz="1800" kern="1200">
-                <a:solidFill>
-                  <a:schemeClr val="dk1"/>
-                </a:solidFill>
-                <a:latin typeface="+mn-lt"/>
-                <a:ea typeface="+mn-ea"/>
-                <a:cs typeface="+mn-cs"/>
-              </a:defRPr>
-            </a:lvl1pPr>
-            <a:lvl2pPr marL="457200" algn="l" defTabSz="914400" rtl="0" eaLnBrk="1" latinLnBrk="0" hangingPunct="1">
-              <a:defRPr sz="1800" kern="1200">
-                <a:solidFill>
-                  <a:schemeClr val="dk1"/>
-                </a:solidFill>
-                <a:latin typeface="+mn-lt"/>
-                <a:ea typeface="+mn-ea"/>
-                <a:cs typeface="+mn-cs"/>
-              </a:defRPr>
-            </a:lvl2pPr>
-            <a:lvl3pPr marL="914400" algn="l" defTabSz="914400" rtl="0" eaLnBrk="1" latinLnBrk="0" hangingPunct="1">
-              <a:defRPr sz="1800" kern="1200">
-                <a:solidFill>
-                  <a:schemeClr val="dk1"/>
-                </a:solidFill>
-                <a:latin typeface="+mn-lt"/>
-                <a:ea typeface="+mn-ea"/>
-                <a:cs typeface="+mn-cs"/>
-              </a:defRPr>
-            </a:lvl3pPr>
-            <a:lvl4pPr marL="1371600" algn="l" defTabSz="914400" rtl="0" eaLnBrk="1" latinLnBrk="0" hangingPunct="1">
-              <a:defRPr sz="1800" kern="1200">
-                <a:solidFill>
-                  <a:schemeClr val="dk1"/>
-                </a:solidFill>
-                <a:latin typeface="+mn-lt"/>
-                <a:ea typeface="+mn-ea"/>
-                <a:cs typeface="+mn-cs"/>
-              </a:defRPr>
-            </a:lvl4pPr>
-            <a:lvl5pPr marL="1828800" algn="l" defTabSz="914400" rtl="0" eaLnBrk="1" latinLnBrk="0" hangingPunct="1">
-              <a:defRPr sz="1800" kern="1200">
-                <a:solidFill>
-                  <a:schemeClr val="dk1"/>
-                </a:solidFill>
-                <a:latin typeface="+mn-lt"/>
-                <a:ea typeface="+mn-ea"/>
-                <a:cs typeface="+mn-cs"/>
-              </a:defRPr>
-            </a:lvl5pPr>
-            <a:lvl6pPr marL="2286000" algn="l" defTabSz="914400" rtl="0" eaLnBrk="1" latinLnBrk="0" hangingPunct="1">
-              <a:defRPr sz="1800" kern="1200">
-                <a:solidFill>
-                  <a:schemeClr val="dk1"/>
-                </a:solidFill>
-                <a:latin typeface="+mn-lt"/>
-                <a:ea typeface="+mn-ea"/>
-                <a:cs typeface="+mn-cs"/>
-              </a:defRPr>
-            </a:lvl6pPr>
-            <a:lvl7pPr marL="2743200" algn="l" defTabSz="914400" rtl="0" eaLnBrk="1" latinLnBrk="0" hangingPunct="1">
-              <a:defRPr sz="1800" kern="1200">
-                <a:solidFill>
-                  <a:schemeClr val="dk1"/>
-                </a:solidFill>
-                <a:latin typeface="+mn-lt"/>
-                <a:ea typeface="+mn-ea"/>
-                <a:cs typeface="+mn-cs"/>
-              </a:defRPr>
-            </a:lvl7pPr>
-            <a:lvl8pPr marL="3200400" algn="l" defTabSz="914400" rtl="0" eaLnBrk="1" latinLnBrk="0" hangingPunct="1">
-              <a:defRPr sz="1800" kern="1200">
-                <a:solidFill>
-                  <a:schemeClr val="dk1"/>
-                </a:solidFill>
-                <a:latin typeface="+mn-lt"/>
-                <a:ea typeface="+mn-ea"/>
-                <a:cs typeface="+mn-cs"/>
-              </a:defRPr>
-            </a:lvl8pPr>
-            <a:lvl9pPr marL="3657600" algn="l" defTabSz="914400" rtl="0" eaLnBrk="1" latinLnBrk="0" hangingPunct="1">
-              <a:defRPr sz="1800" kern="1200">
-                <a:solidFill>
-                  <a:schemeClr val="dk1"/>
-                </a:solidFill>
-                <a:latin typeface="+mn-lt"/>
-                <a:ea typeface="+mn-ea"/>
-                <a:cs typeface="+mn-cs"/>
-              </a:defRPr>
-            </a:lvl9pPr>
-          </a:lstStyle>
-          <a:p>
-            <a:pPr algn="ctr">
-              <a:defRPr/>
-            </a:pPr>
-            <a:fld id="{6389AA22-90B4-448C-8B6B-C699140D38B9}" type="slidenum">
-              <a:rPr lang="uk-UA" sz="2400" b="1">
-                <a:solidFill>
-                  <a:schemeClr val="bg1">
-                    <a:lumMod val="50000"/>
-                  </a:schemeClr>
-                </a:solidFill>
-              </a:rPr>
-              <a:pPr algn="ctr">
-                <a:defRPr/>
-              </a:pPr>
-              <a:t>31</a:t>
-            </a:fld>
-            <a:endParaRPr lang="uk-UA" sz="2400" b="1" dirty="0">
-              <a:solidFill>
-                <a:schemeClr val="bg1">
-                  <a:lumMod val="50000"/>
-                </a:schemeClr>
-              </a:solidFill>
-            </a:endParaRPr>
-          </a:p>
-        </p:txBody>
-      </p:sp>
-      <p:pic>
-        <p:nvPicPr>
-          <p:cNvPr id="8" name="Picture 2" descr="https://cdn0.iconfinder.com/data/icons/social-media-2092/100/social-56-512.png"/>
-          <p:cNvPicPr>
-            <a:picLocks noChangeAspect="1" noChangeArrowheads="1"/>
-          </p:cNvPicPr>
-          <p:nvPr/>
-        </p:nvPicPr>
-        <p:blipFill>
-          <a:blip r:embed="rId2" cstate="print">
-            <a:extLst>
-              <a:ext uri="{28A0092B-C50C-407E-A947-70E740481C1C}">
-                <a14:useLocalDpi xmlns:a14="http://schemas.microsoft.com/office/drawing/2010/main" val="0"/>
-              </a:ext>
-            </a:extLst>
-          </a:blip>
-          <a:srcRect/>
-          <a:stretch>
-            <a:fillRect/>
-          </a:stretch>
-        </p:blipFill>
-        <p:spPr bwMode="auto">
-          <a:xfrm>
-            <a:off x="7680176" y="1484784"/>
-            <a:ext cx="2343634" cy="2343635"/>
-          </a:xfrm>
-          <a:prstGeom prst="rect">
-            <a:avLst/>
-          </a:prstGeom>
-          <a:ln>
-            <a:noFill/>
-          </a:ln>
-          <a:effectLst>
-            <a:outerShdw blurRad="190500" algn="tl" rotWithShape="0">
-              <a:srgbClr val="000000">
-                <a:alpha val="70000"/>
-              </a:srgbClr>
-            </a:outerShdw>
-          </a:effectLst>
-          <a:extLst>
-            <a:ext uri="{909E8E84-426E-40DD-AFC4-6F175D3DCCD1}">
-              <a14:hiddenFill xmlns:a14="http://schemas.microsoft.com/office/drawing/2010/main">
-                <a:solidFill>
-                  <a:srgbClr val="FFFFFF"/>
-                </a:solidFill>
-              </a14:hiddenFill>
-            </a:ext>
-          </a:extLst>
-        </p:spPr>
-      </p:pic>
-      <p:pic>
-        <p:nvPicPr>
-          <p:cNvPr id="10" name="Рисунок 9"/>
-          <p:cNvPicPr>
-            <a:picLocks noChangeAspect="1"/>
-          </p:cNvPicPr>
-          <p:nvPr/>
-        </p:nvPicPr>
-        <p:blipFill>
-          <a:blip r:embed="rId3">
-            <a:extLst>
-              <a:ext uri="{28A0092B-C50C-407E-A947-70E740481C1C}">
-                <a14:useLocalDpi xmlns:a14="http://schemas.microsoft.com/office/drawing/2010/main" val="0"/>
-              </a:ext>
-            </a:extLst>
-          </a:blip>
-          <a:stretch>
-            <a:fillRect/>
-          </a:stretch>
-        </p:blipFill>
-        <p:spPr>
-          <a:xfrm>
-            <a:off x="2639616" y="1844824"/>
-            <a:ext cx="4752528" cy="4752528"/>
-          </a:xfrm>
-          <a:prstGeom prst="rect">
-            <a:avLst/>
-          </a:prstGeom>
-          <a:ln>
-            <a:noFill/>
-          </a:ln>
-          <a:effectLst>
-            <a:outerShdw blurRad="190500" algn="tl" rotWithShape="0">
-              <a:srgbClr val="000000">
-                <a:alpha val="70000"/>
-              </a:srgbClr>
-            </a:outerShdw>
-          </a:effectLst>
-        </p:spPr>
-      </p:pic>
-    </p:spTree>
-    <p:extLst>
-      <p:ext uri="{BB962C8B-B14F-4D97-AF65-F5344CB8AC3E}">
-        <p14:creationId xmlns:p14="http://schemas.microsoft.com/office/powerpoint/2010/main" val="1388856890"/>
-      </p:ext>
-    </p:extLst>
-  </p:cSld>
-  <p:clrMapOvr>
-    <a:masterClrMapping/>
-  </p:clrMapOvr>
-</p:sld>
-</file>
-
-<file path=ppt/slides/slide32.xml><?xml version="1.0" encoding="utf-8"?>
-<p:sld xmlns:a="http://schemas.openxmlformats.org/drawingml/2006/main" xmlns:r="http://schemas.openxmlformats.org/officeDocument/2006/relationships" xmlns:p="http://schemas.openxmlformats.org/presentationml/2006/main">
-  <p:cSld>
-    <p:spTree>
-      <p:nvGrpSpPr>
-        <p:cNvPr id="1" name=""/>
-        <p:cNvGrpSpPr/>
-        <p:nvPr/>
-      </p:nvGrpSpPr>
-      <p:grpSpPr>
-        <a:xfrm>
-          <a:off x="0" y="0"/>
-          <a:ext cx="0" cy="0"/>
-          <a:chOff x="0" y="0"/>
-          <a:chExt cx="0" cy="0"/>
-        </a:xfrm>
-      </p:grpSpPr>
-      <p:sp>
-        <p:nvSpPr>
           <p:cNvPr id="3" name="Прямоугольник 2"/>
           <p:cNvSpPr/>
           <p:nvPr/>
@@ -12779,7 +12482,7 @@
 </p:sld>
 </file>
 
-<file path=ppt/slides/slide33.xml><?xml version="1.0" encoding="utf-8"?>
+<file path=ppt/slides/slide32.xml><?xml version="1.0" encoding="utf-8"?>
 <p:sld xmlns:a="http://schemas.openxmlformats.org/drawingml/2006/main" xmlns:r="http://schemas.openxmlformats.org/officeDocument/2006/relationships" xmlns:p="http://schemas.openxmlformats.org/presentationml/2006/main">
   <p:cSld>
     <p:spTree>
